--- a/mark/Lecture 8.pptx
+++ b/mark/Lecture 8.pptx
@@ -235,7 +235,7 @@
           <a:p>
             <a:fld id="{97440BA5-B906-4507-A229-2BBCC9372479}" type="datetimeFigureOut">
               <a:rPr lang="en-GB" smtClean="0"/>
-              <a:t>29/09/2020</a:t>
+              <a:t>21/10/2020</a:t>
             </a:fld>
             <a:endParaRPr lang="en-GB"/>
           </a:p>
@@ -805,7 +805,7 @@
           <a:p>
             <a:fld id="{5A5316A3-9A52-4073-88E9-1F0525049C7A}" type="datetimeFigureOut">
               <a:rPr lang="en-GB" smtClean="0"/>
-              <a:t>29/09/2020</a:t>
+              <a:t>21/10/2020</a:t>
             </a:fld>
             <a:endParaRPr lang="en-GB"/>
           </a:p>
@@ -1031,7 +1031,7 @@
           <a:p>
             <a:fld id="{5A5316A3-9A52-4073-88E9-1F0525049C7A}" type="datetimeFigureOut">
               <a:rPr lang="en-GB" smtClean="0"/>
-              <a:t>29/09/2020</a:t>
+              <a:t>21/10/2020</a:t>
             </a:fld>
             <a:endParaRPr lang="en-GB"/>
           </a:p>
@@ -1358,7 +1358,7 @@
           <a:p>
             <a:fld id="{5A5316A3-9A52-4073-88E9-1F0525049C7A}" type="datetimeFigureOut">
               <a:rPr lang="en-GB" smtClean="0"/>
-              <a:t>29/09/2020</a:t>
+              <a:t>21/10/2020</a:t>
             </a:fld>
             <a:endParaRPr lang="en-GB"/>
           </a:p>
@@ -1604,7 +1604,7 @@
           <a:p>
             <a:fld id="{5A5316A3-9A52-4073-88E9-1F0525049C7A}" type="datetimeFigureOut">
               <a:rPr lang="en-GB" smtClean="0"/>
-              <a:t>29/09/2020</a:t>
+              <a:t>21/10/2020</a:t>
             </a:fld>
             <a:endParaRPr lang="en-GB"/>
           </a:p>
@@ -1836,7 +1836,7 @@
           <a:p>
             <a:fld id="{5A5316A3-9A52-4073-88E9-1F0525049C7A}" type="datetimeFigureOut">
               <a:rPr lang="en-GB" smtClean="0"/>
-              <a:t>29/09/2020</a:t>
+              <a:t>21/10/2020</a:t>
             </a:fld>
             <a:endParaRPr lang="en-GB"/>
           </a:p>
@@ -2203,7 +2203,7 @@
           <a:p>
             <a:fld id="{5A5316A3-9A52-4073-88E9-1F0525049C7A}" type="datetimeFigureOut">
               <a:rPr lang="en-GB" smtClean="0"/>
-              <a:t>29/09/2020</a:t>
+              <a:t>21/10/2020</a:t>
             </a:fld>
             <a:endParaRPr lang="en-GB"/>
           </a:p>
@@ -2321,7 +2321,7 @@
           <a:p>
             <a:fld id="{5A5316A3-9A52-4073-88E9-1F0525049C7A}" type="datetimeFigureOut">
               <a:rPr lang="en-GB" smtClean="0"/>
-              <a:t>29/09/2020</a:t>
+              <a:t>21/10/2020</a:t>
             </a:fld>
             <a:endParaRPr lang="en-GB"/>
           </a:p>
@@ -2416,7 +2416,7 @@
           <a:p>
             <a:fld id="{5A5316A3-9A52-4073-88E9-1F0525049C7A}" type="datetimeFigureOut">
               <a:rPr lang="en-GB" smtClean="0"/>
-              <a:t>29/09/2020</a:t>
+              <a:t>21/10/2020</a:t>
             </a:fld>
             <a:endParaRPr lang="en-GB"/>
           </a:p>
@@ -2693,7 +2693,7 @@
           <a:p>
             <a:fld id="{5A5316A3-9A52-4073-88E9-1F0525049C7A}" type="datetimeFigureOut">
               <a:rPr lang="en-GB" smtClean="0"/>
-              <a:t>29/09/2020</a:t>
+              <a:t>21/10/2020</a:t>
             </a:fld>
             <a:endParaRPr lang="en-GB"/>
           </a:p>
@@ -2946,7 +2946,7 @@
           <a:p>
             <a:fld id="{5A5316A3-9A52-4073-88E9-1F0525049C7A}" type="datetimeFigureOut">
               <a:rPr lang="en-GB" smtClean="0"/>
-              <a:t>29/09/2020</a:t>
+              <a:t>21/10/2020</a:t>
             </a:fld>
             <a:endParaRPr lang="en-GB"/>
           </a:p>
@@ -3159,7 +3159,7 @@
           <a:p>
             <a:fld id="{5A5316A3-9A52-4073-88E9-1F0525049C7A}" type="datetimeFigureOut">
               <a:rPr lang="en-GB" smtClean="0"/>
-              <a:t>29/09/2020</a:t>
+              <a:t>21/10/2020</a:t>
             </a:fld>
             <a:endParaRPr lang="en-GB"/>
           </a:p>
@@ -3763,6 +3763,13 @@
   <p:clrMapOvr>
     <a:masterClrMapping/>
   </p:clrMapOvr>
+  <p:timing>
+    <p:tnLst>
+      <p:par>
+        <p:cTn id="1" dur="indefinite" restart="never" nodeType="tmRoot"/>
+      </p:par>
+    </p:tnLst>
+  </p:timing>
 </p:sld>
 </file>
 
@@ -4349,6 +4356,123 @@
           <a:p>
             <a:pPr algn="ctr"/>
             <a:endParaRPr lang="en-GB"/>
+          </a:p>
+        </p:txBody>
+      </p:sp>
+      <p:pic>
+        <p:nvPicPr>
+          <p:cNvPr id="5" name="Content Placeholder 3"/>
+          <p:cNvPicPr>
+            <a:picLocks noChangeAspect="1"/>
+          </p:cNvPicPr>
+          <p:nvPr/>
+        </p:nvPicPr>
+        <p:blipFill>
+          <a:blip r:embed="rId3">
+            <a:extLst>
+              <a:ext uri="{28A0092B-C50C-407E-A947-70E740481C1C}">
+                <a14:useLocalDpi xmlns:a14="http://schemas.microsoft.com/office/drawing/2010/main" val="0"/>
+              </a:ext>
+            </a:extLst>
+          </a:blip>
+          <a:stretch>
+            <a:fillRect/>
+          </a:stretch>
+        </p:blipFill>
+        <p:spPr>
+          <a:xfrm>
+            <a:off x="1060768" y="5854197"/>
+            <a:ext cx="675030" cy="918041"/>
+          </a:xfrm>
+          <a:prstGeom prst="rect">
+            <a:avLst/>
+          </a:prstGeom>
+        </p:spPr>
+      </p:pic>
+      <p:pic>
+        <p:nvPicPr>
+          <p:cNvPr id="6" name="Picture 5"/>
+          <p:cNvPicPr>
+            <a:picLocks noChangeAspect="1"/>
+          </p:cNvPicPr>
+          <p:nvPr/>
+        </p:nvPicPr>
+        <p:blipFill>
+          <a:blip r:embed="rId4"/>
+          <a:stretch>
+            <a:fillRect/>
+          </a:stretch>
+        </p:blipFill>
+        <p:spPr>
+          <a:xfrm>
+            <a:off x="126017" y="5816434"/>
+            <a:ext cx="804605" cy="993566"/>
+          </a:xfrm>
+          <a:prstGeom prst="rect">
+            <a:avLst/>
+          </a:prstGeom>
+        </p:spPr>
+      </p:pic>
+      <p:sp>
+        <p:nvSpPr>
+          <p:cNvPr id="4" name="Isosceles Triangle 3"/>
+          <p:cNvSpPr/>
+          <p:nvPr/>
+        </p:nvSpPr>
+        <p:spPr>
+          <a:xfrm rot="1424033">
+            <a:off x="7813353" y="-126796"/>
+            <a:ext cx="2770468" cy="2121763"/>
+          </a:xfrm>
+          <a:prstGeom prst="triangle">
+            <a:avLst/>
+          </a:prstGeom>
+          <a:solidFill>
+            <a:schemeClr val="bg1"/>
+          </a:solidFill>
+          <a:ln w="82550">
+            <a:solidFill>
+              <a:srgbClr val="FF0000"/>
+            </a:solidFill>
+          </a:ln>
+        </p:spPr>
+        <p:style>
+          <a:lnRef idx="2">
+            <a:schemeClr val="accent1">
+              <a:shade val="50000"/>
+            </a:schemeClr>
+          </a:lnRef>
+          <a:fillRef idx="1">
+            <a:schemeClr val="accent1"/>
+          </a:fillRef>
+          <a:effectRef idx="0">
+            <a:schemeClr val="accent1"/>
+          </a:effectRef>
+          <a:fontRef idx="minor">
+            <a:schemeClr val="lt1"/>
+          </a:fontRef>
+        </p:style>
+        <p:txBody>
+          <a:bodyPr rtlCol="0" anchor="ctr"/>
+          <a:lstStyle/>
+          <a:p>
+            <a:pPr algn="ctr"/>
+            <a:r>
+              <a:rPr lang="en-GB" sz="2000" b="1" dirty="0" smtClean="0">
+                <a:solidFill>
+                  <a:schemeClr val="tx1"/>
+                </a:solidFill>
+              </a:rPr>
+              <a:t>Beware centring with transforms</a:t>
+            </a:r>
+          </a:p>
+          <a:p>
+            <a:pPr algn="ctr"/>
+            <a:endParaRPr lang="en-GB" sz="2000" b="1" dirty="0">
+              <a:solidFill>
+                <a:schemeClr val="tx1"/>
+              </a:solidFill>
+            </a:endParaRPr>
           </a:p>
         </p:txBody>
       </p:sp>
@@ -5256,6 +5380,123 @@
           <a:p>
             <a:pPr algn="ctr"/>
             <a:endParaRPr lang="en-GB" b="1" dirty="0"/>
+          </a:p>
+        </p:txBody>
+      </p:sp>
+      <p:pic>
+        <p:nvPicPr>
+          <p:cNvPr id="5" name="Content Placeholder 3"/>
+          <p:cNvPicPr>
+            <a:picLocks noChangeAspect="1"/>
+          </p:cNvPicPr>
+          <p:nvPr/>
+        </p:nvPicPr>
+        <p:blipFill>
+          <a:blip r:embed="rId3">
+            <a:extLst>
+              <a:ext uri="{28A0092B-C50C-407E-A947-70E740481C1C}">
+                <a14:useLocalDpi xmlns:a14="http://schemas.microsoft.com/office/drawing/2010/main" val="0"/>
+              </a:ext>
+            </a:extLst>
+          </a:blip>
+          <a:stretch>
+            <a:fillRect/>
+          </a:stretch>
+        </p:blipFill>
+        <p:spPr>
+          <a:xfrm>
+            <a:off x="1060768" y="5854197"/>
+            <a:ext cx="675030" cy="918041"/>
+          </a:xfrm>
+          <a:prstGeom prst="rect">
+            <a:avLst/>
+          </a:prstGeom>
+        </p:spPr>
+      </p:pic>
+      <p:pic>
+        <p:nvPicPr>
+          <p:cNvPr id="6" name="Picture 5"/>
+          <p:cNvPicPr>
+            <a:picLocks noChangeAspect="1"/>
+          </p:cNvPicPr>
+          <p:nvPr/>
+        </p:nvPicPr>
+        <p:blipFill>
+          <a:blip r:embed="rId4"/>
+          <a:stretch>
+            <a:fillRect/>
+          </a:stretch>
+        </p:blipFill>
+        <p:spPr>
+          <a:xfrm>
+            <a:off x="126017" y="5816434"/>
+            <a:ext cx="804605" cy="993566"/>
+          </a:xfrm>
+          <a:prstGeom prst="rect">
+            <a:avLst/>
+          </a:prstGeom>
+        </p:spPr>
+      </p:pic>
+      <p:sp>
+        <p:nvSpPr>
+          <p:cNvPr id="9" name="Isosceles Triangle 8"/>
+          <p:cNvSpPr/>
+          <p:nvPr/>
+        </p:nvSpPr>
+        <p:spPr>
+          <a:xfrm rot="1424033">
+            <a:off x="7813353" y="-126796"/>
+            <a:ext cx="2770468" cy="2121763"/>
+          </a:xfrm>
+          <a:prstGeom prst="triangle">
+            <a:avLst/>
+          </a:prstGeom>
+          <a:solidFill>
+            <a:schemeClr val="bg1"/>
+          </a:solidFill>
+          <a:ln w="82550">
+            <a:solidFill>
+              <a:srgbClr val="FF0000"/>
+            </a:solidFill>
+          </a:ln>
+        </p:spPr>
+        <p:style>
+          <a:lnRef idx="2">
+            <a:schemeClr val="accent1">
+              <a:shade val="50000"/>
+            </a:schemeClr>
+          </a:lnRef>
+          <a:fillRef idx="1">
+            <a:schemeClr val="accent1"/>
+          </a:fillRef>
+          <a:effectRef idx="0">
+            <a:schemeClr val="accent1"/>
+          </a:effectRef>
+          <a:fontRef idx="minor">
+            <a:schemeClr val="lt1"/>
+          </a:fontRef>
+        </p:style>
+        <p:txBody>
+          <a:bodyPr rtlCol="0" anchor="ctr"/>
+          <a:lstStyle/>
+          <a:p>
+            <a:pPr algn="ctr"/>
+            <a:r>
+              <a:rPr lang="en-GB" sz="2000" b="1" dirty="0" smtClean="0">
+                <a:solidFill>
+                  <a:schemeClr val="tx1"/>
+                </a:solidFill>
+              </a:rPr>
+              <a:t>Beware centring with transforms</a:t>
+            </a:r>
+          </a:p>
+          <a:p>
+            <a:pPr algn="ctr"/>
+            <a:endParaRPr lang="en-GB" sz="2000" b="1" dirty="0">
+              <a:solidFill>
+                <a:schemeClr val="tx1"/>
+              </a:solidFill>
+            </a:endParaRPr>
           </a:p>
         </p:txBody>
       </p:sp>
@@ -6299,6 +6540,123 @@
           </a:p>
         </p:txBody>
       </p:sp>
+      <p:pic>
+        <p:nvPicPr>
+          <p:cNvPr id="6" name="Content Placeholder 3"/>
+          <p:cNvPicPr>
+            <a:picLocks noChangeAspect="1"/>
+          </p:cNvPicPr>
+          <p:nvPr/>
+        </p:nvPicPr>
+        <p:blipFill>
+          <a:blip r:embed="rId3">
+            <a:extLst>
+              <a:ext uri="{28A0092B-C50C-407E-A947-70E740481C1C}">
+                <a14:useLocalDpi xmlns:a14="http://schemas.microsoft.com/office/drawing/2010/main" val="0"/>
+              </a:ext>
+            </a:extLst>
+          </a:blip>
+          <a:stretch>
+            <a:fillRect/>
+          </a:stretch>
+        </p:blipFill>
+        <p:spPr>
+          <a:xfrm>
+            <a:off x="1060768" y="5854197"/>
+            <a:ext cx="675030" cy="918041"/>
+          </a:xfrm>
+          <a:prstGeom prst="rect">
+            <a:avLst/>
+          </a:prstGeom>
+        </p:spPr>
+      </p:pic>
+      <p:pic>
+        <p:nvPicPr>
+          <p:cNvPr id="7" name="Picture 6"/>
+          <p:cNvPicPr>
+            <a:picLocks noChangeAspect="1"/>
+          </p:cNvPicPr>
+          <p:nvPr/>
+        </p:nvPicPr>
+        <p:blipFill>
+          <a:blip r:embed="rId4"/>
+          <a:stretch>
+            <a:fillRect/>
+          </a:stretch>
+        </p:blipFill>
+        <p:spPr>
+          <a:xfrm>
+            <a:off x="126017" y="5816434"/>
+            <a:ext cx="804605" cy="993566"/>
+          </a:xfrm>
+          <a:prstGeom prst="rect">
+            <a:avLst/>
+          </a:prstGeom>
+        </p:spPr>
+      </p:pic>
+      <p:sp>
+        <p:nvSpPr>
+          <p:cNvPr id="9" name="Isosceles Triangle 8"/>
+          <p:cNvSpPr/>
+          <p:nvPr/>
+        </p:nvSpPr>
+        <p:spPr>
+          <a:xfrm rot="1424033">
+            <a:off x="7813353" y="-126796"/>
+            <a:ext cx="2770468" cy="2121763"/>
+          </a:xfrm>
+          <a:prstGeom prst="triangle">
+            <a:avLst/>
+          </a:prstGeom>
+          <a:solidFill>
+            <a:schemeClr val="bg1"/>
+          </a:solidFill>
+          <a:ln w="82550">
+            <a:solidFill>
+              <a:srgbClr val="FF0000"/>
+            </a:solidFill>
+          </a:ln>
+        </p:spPr>
+        <p:style>
+          <a:lnRef idx="2">
+            <a:schemeClr val="accent1">
+              <a:shade val="50000"/>
+            </a:schemeClr>
+          </a:lnRef>
+          <a:fillRef idx="1">
+            <a:schemeClr val="accent1"/>
+          </a:fillRef>
+          <a:effectRef idx="0">
+            <a:schemeClr val="accent1"/>
+          </a:effectRef>
+          <a:fontRef idx="minor">
+            <a:schemeClr val="lt1"/>
+          </a:fontRef>
+        </p:style>
+        <p:txBody>
+          <a:bodyPr rtlCol="0" anchor="ctr"/>
+          <a:lstStyle/>
+          <a:p>
+            <a:pPr algn="ctr"/>
+            <a:r>
+              <a:rPr lang="en-GB" sz="2000" b="1" dirty="0" smtClean="0">
+                <a:solidFill>
+                  <a:schemeClr val="tx1"/>
+                </a:solidFill>
+              </a:rPr>
+              <a:t>Beware centring with transforms</a:t>
+            </a:r>
+          </a:p>
+          <a:p>
+            <a:pPr algn="ctr"/>
+            <a:endParaRPr lang="en-GB" sz="2000" b="1" dirty="0">
+              <a:solidFill>
+                <a:schemeClr val="tx1"/>
+              </a:solidFill>
+            </a:endParaRPr>
+          </a:p>
+        </p:txBody>
+      </p:sp>
     </p:spTree>
     <p:extLst>
       <p:ext uri="{BB962C8B-B14F-4D97-AF65-F5344CB8AC3E}">
@@ -7326,6 +7684,123 @@
           </a:p>
         </p:txBody>
       </p:sp>
+      <p:pic>
+        <p:nvPicPr>
+          <p:cNvPr id="5" name="Content Placeholder 3"/>
+          <p:cNvPicPr>
+            <a:picLocks noChangeAspect="1"/>
+          </p:cNvPicPr>
+          <p:nvPr/>
+        </p:nvPicPr>
+        <p:blipFill>
+          <a:blip r:embed="rId3">
+            <a:extLst>
+              <a:ext uri="{28A0092B-C50C-407E-A947-70E740481C1C}">
+                <a14:useLocalDpi xmlns:a14="http://schemas.microsoft.com/office/drawing/2010/main" val="0"/>
+              </a:ext>
+            </a:extLst>
+          </a:blip>
+          <a:stretch>
+            <a:fillRect/>
+          </a:stretch>
+        </p:blipFill>
+        <p:spPr>
+          <a:xfrm>
+            <a:off x="1060768" y="5854197"/>
+            <a:ext cx="675030" cy="918041"/>
+          </a:xfrm>
+          <a:prstGeom prst="rect">
+            <a:avLst/>
+          </a:prstGeom>
+        </p:spPr>
+      </p:pic>
+      <p:pic>
+        <p:nvPicPr>
+          <p:cNvPr id="7" name="Picture 6"/>
+          <p:cNvPicPr>
+            <a:picLocks noChangeAspect="1"/>
+          </p:cNvPicPr>
+          <p:nvPr/>
+        </p:nvPicPr>
+        <p:blipFill>
+          <a:blip r:embed="rId4"/>
+          <a:stretch>
+            <a:fillRect/>
+          </a:stretch>
+        </p:blipFill>
+        <p:spPr>
+          <a:xfrm>
+            <a:off x="126017" y="5816434"/>
+            <a:ext cx="804605" cy="993566"/>
+          </a:xfrm>
+          <a:prstGeom prst="rect">
+            <a:avLst/>
+          </a:prstGeom>
+        </p:spPr>
+      </p:pic>
+      <p:sp>
+        <p:nvSpPr>
+          <p:cNvPr id="9" name="Isosceles Triangle 8"/>
+          <p:cNvSpPr/>
+          <p:nvPr/>
+        </p:nvSpPr>
+        <p:spPr>
+          <a:xfrm rot="1424033">
+            <a:off x="7813353" y="-126796"/>
+            <a:ext cx="2770468" cy="2121763"/>
+          </a:xfrm>
+          <a:prstGeom prst="triangle">
+            <a:avLst/>
+          </a:prstGeom>
+          <a:solidFill>
+            <a:schemeClr val="bg1"/>
+          </a:solidFill>
+          <a:ln w="82550">
+            <a:solidFill>
+              <a:srgbClr val="FF0000"/>
+            </a:solidFill>
+          </a:ln>
+        </p:spPr>
+        <p:style>
+          <a:lnRef idx="2">
+            <a:schemeClr val="accent1">
+              <a:shade val="50000"/>
+            </a:schemeClr>
+          </a:lnRef>
+          <a:fillRef idx="1">
+            <a:schemeClr val="accent1"/>
+          </a:fillRef>
+          <a:effectRef idx="0">
+            <a:schemeClr val="accent1"/>
+          </a:effectRef>
+          <a:fontRef idx="minor">
+            <a:schemeClr val="lt1"/>
+          </a:fontRef>
+        </p:style>
+        <p:txBody>
+          <a:bodyPr rtlCol="0" anchor="ctr"/>
+          <a:lstStyle/>
+          <a:p>
+            <a:pPr algn="ctr"/>
+            <a:r>
+              <a:rPr lang="en-GB" sz="2000" b="1" dirty="0" smtClean="0">
+                <a:solidFill>
+                  <a:schemeClr val="tx1"/>
+                </a:solidFill>
+              </a:rPr>
+              <a:t>Beware centring with transforms</a:t>
+            </a:r>
+          </a:p>
+          <a:p>
+            <a:pPr algn="ctr"/>
+            <a:endParaRPr lang="en-GB" sz="2000" b="1" dirty="0">
+              <a:solidFill>
+                <a:schemeClr val="tx1"/>
+              </a:solidFill>
+            </a:endParaRPr>
+          </a:p>
+        </p:txBody>
+      </p:sp>
     </p:spTree>
     <p:extLst>
       <p:ext uri="{BB962C8B-B14F-4D97-AF65-F5344CB8AC3E}">
@@ -7336,6 +7811,13 @@
   <p:clrMapOvr>
     <a:masterClrMapping/>
   </p:clrMapOvr>
+  <p:timing>
+    <p:tnLst>
+      <p:par>
+        <p:cTn id="1" dur="indefinite" restart="never" nodeType="tmRoot"/>
+      </p:par>
+    </p:tnLst>
+  </p:timing>
 </p:sld>
 </file>
 
@@ -8206,6 +8688,13 @@
   <p:clrMapOvr>
     <a:masterClrMapping/>
   </p:clrMapOvr>
+  <p:timing>
+    <p:tnLst>
+      <p:par>
+        <p:cTn id="1" dur="indefinite" restart="never" nodeType="tmRoot"/>
+      </p:par>
+    </p:tnLst>
+  </p:timing>
 </p:sld>
 </file>
 
@@ -8364,6 +8853,13 @@
   <p:clrMapOvr>
     <a:masterClrMapping/>
   </p:clrMapOvr>
+  <p:timing>
+    <p:tnLst>
+      <p:par>
+        <p:cTn id="1" dur="indefinite" restart="never" nodeType="tmRoot"/>
+      </p:par>
+    </p:tnLst>
+  </p:timing>
 </p:sld>
 </file>
 
@@ -8592,6 +9088,13 @@
   <p:clrMapOvr>
     <a:masterClrMapping/>
   </p:clrMapOvr>
+  <p:timing>
+    <p:tnLst>
+      <p:par>
+        <p:cTn id="1" dur="indefinite" restart="never" nodeType="tmRoot"/>
+      </p:par>
+    </p:tnLst>
+  </p:timing>
 </p:sld>
 </file>
 
@@ -8712,7 +9215,7 @@
           <a:graphicData uri="http://schemas.openxmlformats.org/presentationml/2006/ole">
             <mc:AlternateContent xmlns:mc="http://schemas.openxmlformats.org/markup-compatibility/2006">
               <mc:Choice xmlns:v="urn:schemas-microsoft-com:vml" Requires="v">
-                <p:oleObj spid="_x0000_s8218" name="Equation" r:id="rId3" imgW="850531" imgH="177723" progId="Equation.DSMT4">
+                <p:oleObj spid="_x0000_s8222" name="Equation" r:id="rId3" imgW="850531" imgH="177723" progId="Equation.DSMT4">
                   <p:embed/>
                 </p:oleObj>
               </mc:Choice>
@@ -9135,6 +9638,13 @@
   <p:clrMapOvr>
     <a:masterClrMapping/>
   </p:clrMapOvr>
+  <p:timing>
+    <p:tnLst>
+      <p:par>
+        <p:cTn id="1" dur="indefinite" restart="never" nodeType="tmRoot"/>
+      </p:par>
+    </p:tnLst>
+  </p:timing>
 </p:sld>
 </file>
 
@@ -9255,7 +9765,7 @@
           <a:graphicData uri="http://schemas.openxmlformats.org/presentationml/2006/ole">
             <mc:AlternateContent xmlns:mc="http://schemas.openxmlformats.org/markup-compatibility/2006">
               <mc:Choice xmlns:v="urn:schemas-microsoft-com:vml" Requires="v">
-                <p:oleObj spid="_x0000_s10284" name="Equation" r:id="rId3" imgW="850531" imgH="177723" progId="Equation.DSMT4">
+                <p:oleObj spid="_x0000_s10292" name="Equation" r:id="rId3" imgW="850531" imgH="177723" progId="Equation.DSMT4">
                   <p:embed/>
                 </p:oleObj>
               </mc:Choice>
@@ -9327,7 +9837,7 @@
           <a:graphicData uri="http://schemas.openxmlformats.org/presentationml/2006/ole">
             <mc:AlternateContent xmlns:mc="http://schemas.openxmlformats.org/markup-compatibility/2006">
               <mc:Choice xmlns:v="urn:schemas-microsoft-com:vml" Requires="v">
-                <p:oleObj spid="_x0000_s10285" name="Equation" r:id="rId5" imgW="939392" imgH="177723" progId="Equation.DSMT4">
+                <p:oleObj spid="_x0000_s10293" name="Equation" r:id="rId5" imgW="939392" imgH="177723" progId="Equation.DSMT4">
                   <p:embed/>
                 </p:oleObj>
               </mc:Choice>
@@ -9827,6 +10337,13 @@
   <p:clrMapOvr>
     <a:masterClrMapping/>
   </p:clrMapOvr>
+  <p:timing>
+    <p:tnLst>
+      <p:par>
+        <p:cTn id="1" dur="indefinite" restart="never" nodeType="tmRoot"/>
+      </p:par>
+    </p:tnLst>
+  </p:timing>
 </p:sld>
 </file>
 
@@ -9927,6 +10444,13 @@
   <p:clrMapOvr>
     <a:masterClrMapping/>
   </p:clrMapOvr>
+  <p:timing>
+    <p:tnLst>
+      <p:par>
+        <p:cTn id="1" dur="indefinite" restart="never" nodeType="tmRoot"/>
+      </p:par>
+    </p:tnLst>
+  </p:timing>
 </p:sld>
 </file>
 
@@ -10051,7 +10575,7 @@
           <a:graphicData uri="http://schemas.openxmlformats.org/presentationml/2006/ole">
             <mc:AlternateContent xmlns:mc="http://schemas.openxmlformats.org/markup-compatibility/2006">
               <mc:Choice xmlns:v="urn:schemas-microsoft-com:vml" Requires="v">
-                <p:oleObj spid="_x0000_s4170" name="Equation" r:id="rId3" imgW="850531" imgH="177723" progId="Equation.DSMT4">
+                <p:oleObj spid="_x0000_s4178" name="Equation" r:id="rId3" imgW="850531" imgH="177723" progId="Equation.DSMT4">
                   <p:embed/>
                 </p:oleObj>
               </mc:Choice>
@@ -10187,7 +10711,7 @@
           <a:graphicData uri="http://schemas.openxmlformats.org/presentationml/2006/ole">
             <mc:AlternateContent xmlns:mc="http://schemas.openxmlformats.org/markup-compatibility/2006">
               <mc:Choice xmlns:v="urn:schemas-microsoft-com:vml" Requires="v">
-                <p:oleObj spid="_x0000_s4171" name="Equation" r:id="rId5" imgW="939392" imgH="177723" progId="Equation.DSMT4">
+                <p:oleObj spid="_x0000_s4179" name="Equation" r:id="rId5" imgW="939392" imgH="177723" progId="Equation.DSMT4">
                   <p:embed/>
                 </p:oleObj>
               </mc:Choice>
@@ -11997,7 +12521,7 @@
           <a:graphicData uri="http://schemas.openxmlformats.org/presentationml/2006/ole">
             <mc:AlternateContent xmlns:mc="http://schemas.openxmlformats.org/markup-compatibility/2006">
               <mc:Choice xmlns:v="urn:schemas-microsoft-com:vml" Requires="v">
-                <p:oleObj spid="_x0000_s9262" name="Equation" r:id="rId3" imgW="850531" imgH="177723" progId="Equation.DSMT4">
+                <p:oleObj spid="_x0000_s9270" name="Equation" r:id="rId3" imgW="850531" imgH="177723" progId="Equation.DSMT4">
                   <p:embed/>
                 </p:oleObj>
               </mc:Choice>
@@ -12129,7 +12653,7 @@
           <a:graphicData uri="http://schemas.openxmlformats.org/presentationml/2006/ole">
             <mc:AlternateContent xmlns:mc="http://schemas.openxmlformats.org/markup-compatibility/2006">
               <mc:Choice xmlns:v="urn:schemas-microsoft-com:vml" Requires="v">
-                <p:oleObj spid="_x0000_s9263" name="Equation" r:id="rId5" imgW="939392" imgH="177723" progId="Equation.DSMT4">
+                <p:oleObj spid="_x0000_s9271" name="Equation" r:id="rId5" imgW="939392" imgH="177723" progId="Equation.DSMT4">
                   <p:embed/>
                 </p:oleObj>
               </mc:Choice>
@@ -13801,6 +14325,13 @@
   <p:clrMapOvr>
     <a:masterClrMapping/>
   </p:clrMapOvr>
+  <p:timing>
+    <p:tnLst>
+      <p:par>
+        <p:cTn id="1" dur="indefinite" restart="never" nodeType="tmRoot"/>
+      </p:par>
+    </p:tnLst>
+  </p:timing>
 </p:sld>
 </file>
 
@@ -14139,7 +14670,7 @@
           <a:graphicData uri="http://schemas.openxmlformats.org/presentationml/2006/ole">
             <mc:AlternateContent xmlns:mc="http://schemas.openxmlformats.org/markup-compatibility/2006">
               <mc:Choice xmlns:v="urn:schemas-microsoft-com:vml" Requires="v">
-                <p:oleObj spid="_x0000_s11308" name="Equation" r:id="rId3" imgW="850531" imgH="177723" progId="Equation.DSMT4">
+                <p:oleObj spid="_x0000_s11316" name="Equation" r:id="rId3" imgW="850531" imgH="177723" progId="Equation.DSMT4">
                   <p:embed/>
                 </p:oleObj>
               </mc:Choice>
@@ -14271,7 +14802,7 @@
           <a:graphicData uri="http://schemas.openxmlformats.org/presentationml/2006/ole">
             <mc:AlternateContent xmlns:mc="http://schemas.openxmlformats.org/markup-compatibility/2006">
               <mc:Choice xmlns:v="urn:schemas-microsoft-com:vml" Requires="v">
-                <p:oleObj spid="_x0000_s11309" name="Equation" r:id="rId5" imgW="939392" imgH="177723" progId="Equation.DSMT4">
+                <p:oleObj spid="_x0000_s11317" name="Equation" r:id="rId5" imgW="939392" imgH="177723" progId="Equation.DSMT4">
                   <p:embed/>
                 </p:oleObj>
               </mc:Choice>
@@ -15619,6 +16150,13 @@
   <p:clrMapOvr>
     <a:masterClrMapping/>
   </p:clrMapOvr>
+  <p:timing>
+    <p:tnLst>
+      <p:par>
+        <p:cTn id="1" dur="indefinite" restart="never" nodeType="tmRoot"/>
+      </p:par>
+    </p:tnLst>
+  </p:timing>
 </p:sld>
 </file>
 
@@ -17203,7 +17741,7 @@
           <a:graphicData uri="http://schemas.openxmlformats.org/presentationml/2006/ole">
             <mc:AlternateContent xmlns:mc="http://schemas.openxmlformats.org/markup-compatibility/2006">
               <mc:Choice xmlns:v="urn:schemas-microsoft-com:vml" Requires="v">
-                <p:oleObj spid="_x0000_s6245" name="Equation" r:id="rId3" imgW="1231560" imgH="203040" progId="Equation.DSMT4">
+                <p:oleObj spid="_x0000_s6257" name="Equation" r:id="rId3" imgW="1231560" imgH="203040" progId="Equation.DSMT4">
                   <p:embed/>
                 </p:oleObj>
               </mc:Choice>
@@ -17439,7 +17977,7 @@
             <a:graphicData uri="http://schemas.openxmlformats.org/presentationml/2006/ole">
               <mc:AlternateContent xmlns:mc="http://schemas.openxmlformats.org/markup-compatibility/2006">
                 <mc:Choice xmlns:v="urn:schemas-microsoft-com:vml" Requires="v">
-                  <p:oleObj spid="_x0000_s6246" name="Equation" r:id="rId5" imgW="152280" imgH="164880" progId="Equation.DSMT4">
+                  <p:oleObj spid="_x0000_s6258" name="Equation" r:id="rId5" imgW="152280" imgH="164880" progId="Equation.DSMT4">
                     <p:embed/>
                   </p:oleObj>
                 </mc:Choice>
@@ -17532,7 +18070,7 @@
             <a:graphicData uri="http://schemas.openxmlformats.org/presentationml/2006/ole">
               <mc:AlternateContent xmlns:mc="http://schemas.openxmlformats.org/markup-compatibility/2006">
                 <mc:Choice xmlns:v="urn:schemas-microsoft-com:vml" Requires="v">
-                  <p:oleObj spid="_x0000_s6247" name="Equation" r:id="rId7" imgW="126720" imgH="177480" progId="Equation.DSMT4">
+                  <p:oleObj spid="_x0000_s6259" name="Equation" r:id="rId7" imgW="126720" imgH="177480" progId="Equation.DSMT4">
                     <p:embed/>
                   </p:oleObj>
                 </mc:Choice>
@@ -17738,6 +18276,13 @@
   <p:clrMapOvr>
     <a:masterClrMapping/>
   </p:clrMapOvr>
+  <p:timing>
+    <p:tnLst>
+      <p:par>
+        <p:cTn id="1" dur="indefinite" restart="never" nodeType="tmRoot"/>
+      </p:par>
+    </p:tnLst>
+  </p:timing>
 </p:sld>
 </file>
 
@@ -18199,6 +18744,13 @@
   <p:clrMapOvr>
     <a:masterClrMapping/>
   </p:clrMapOvr>
+  <p:timing>
+    <p:tnLst>
+      <p:par>
+        <p:cTn id="1" dur="indefinite" restart="never" nodeType="tmRoot"/>
+      </p:par>
+    </p:tnLst>
+  </p:timing>
 </p:sld>
 </file>
 
@@ -18311,6 +18863,13 @@
   <p:clrMapOvr>
     <a:masterClrMapping/>
   </p:clrMapOvr>
+  <p:timing>
+    <p:tnLst>
+      <p:par>
+        <p:cTn id="1" dur="indefinite" restart="never" nodeType="tmRoot"/>
+      </p:par>
+    </p:tnLst>
+  </p:timing>
 </p:sld>
 </file>
 
@@ -18614,6 +19173,13 @@
   <p:clrMapOvr>
     <a:masterClrMapping/>
   </p:clrMapOvr>
+  <p:timing>
+    <p:tnLst>
+      <p:par>
+        <p:cTn id="1" dur="indefinite" restart="never" nodeType="tmRoot"/>
+      </p:par>
+    </p:tnLst>
+  </p:timing>
 </p:sld>
 </file>
 
@@ -22185,6 +22751,13 @@
   <p:clrMapOvr>
     <a:masterClrMapping/>
   </p:clrMapOvr>
+  <p:timing>
+    <p:tnLst>
+      <p:par>
+        <p:cTn id="1" dur="indefinite" restart="never" nodeType="tmRoot"/>
+      </p:par>
+    </p:tnLst>
+  </p:timing>
 </p:sld>
 </file>
 
@@ -22358,6 +22931,13 @@
   <p:clrMapOvr>
     <a:masterClrMapping/>
   </p:clrMapOvr>
+  <p:timing>
+    <p:tnLst>
+      <p:par>
+        <p:cTn id="1" dur="indefinite" restart="never" nodeType="tmRoot"/>
+      </p:par>
+    </p:tnLst>
+  </p:timing>
 </p:sld>
 </file>
 
@@ -22561,6 +23141,13 @@
   <p:clrMapOvr>
     <a:masterClrMapping/>
   </p:clrMapOvr>
+  <p:timing>
+    <p:tnLst>
+      <p:par>
+        <p:cTn id="1" dur="indefinite" restart="never" nodeType="tmRoot"/>
+      </p:par>
+    </p:tnLst>
+  </p:timing>
 </p:sld>
 </file>
 
@@ -22683,6 +23270,60 @@
           </a:p>
         </p:txBody>
       </p:sp>
+      <p:pic>
+        <p:nvPicPr>
+          <p:cNvPr id="5" name="Content Placeholder 3"/>
+          <p:cNvPicPr>
+            <a:picLocks noChangeAspect="1"/>
+          </p:cNvPicPr>
+          <p:nvPr/>
+        </p:nvPicPr>
+        <p:blipFill>
+          <a:blip r:embed="rId2">
+            <a:extLst>
+              <a:ext uri="{28A0092B-C50C-407E-A947-70E740481C1C}">
+                <a14:useLocalDpi xmlns:a14="http://schemas.microsoft.com/office/drawing/2010/main" val="0"/>
+              </a:ext>
+            </a:extLst>
+          </a:blip>
+          <a:stretch>
+            <a:fillRect/>
+          </a:stretch>
+        </p:blipFill>
+        <p:spPr>
+          <a:xfrm>
+            <a:off x="1060768" y="5863075"/>
+            <a:ext cx="675030" cy="918041"/>
+          </a:xfrm>
+          <a:prstGeom prst="rect">
+            <a:avLst/>
+          </a:prstGeom>
+        </p:spPr>
+      </p:pic>
+      <p:pic>
+        <p:nvPicPr>
+          <p:cNvPr id="6" name="Picture 5"/>
+          <p:cNvPicPr>
+            <a:picLocks noChangeAspect="1"/>
+          </p:cNvPicPr>
+          <p:nvPr/>
+        </p:nvPicPr>
+        <p:blipFill>
+          <a:blip r:embed="rId3"/>
+          <a:stretch>
+            <a:fillRect/>
+          </a:stretch>
+        </p:blipFill>
+        <p:spPr>
+          <a:xfrm>
+            <a:off x="126017" y="5825312"/>
+            <a:ext cx="804605" cy="993566"/>
+          </a:xfrm>
+          <a:prstGeom prst="rect">
+            <a:avLst/>
+          </a:prstGeom>
+        </p:spPr>
+      </p:pic>
     </p:spTree>
     <p:extLst>
       <p:ext uri="{BB962C8B-B14F-4D97-AF65-F5344CB8AC3E}">
@@ -22693,6 +23334,13 @@
   <p:clrMapOvr>
     <a:masterClrMapping/>
   </p:clrMapOvr>
+  <p:timing>
+    <p:tnLst>
+      <p:par>
+        <p:cTn id="1" dur="indefinite" restart="never" nodeType="tmRoot"/>
+      </p:par>
+    </p:tnLst>
+  </p:timing>
 </p:sld>
 </file>
 
@@ -23115,6 +23763,60 @@
           </a:p>
         </p:txBody>
       </p:sp>
+      <p:pic>
+        <p:nvPicPr>
+          <p:cNvPr id="5" name="Content Placeholder 3"/>
+          <p:cNvPicPr>
+            <a:picLocks noChangeAspect="1"/>
+          </p:cNvPicPr>
+          <p:nvPr/>
+        </p:nvPicPr>
+        <p:blipFill>
+          <a:blip r:embed="rId3">
+            <a:extLst>
+              <a:ext uri="{28A0092B-C50C-407E-A947-70E740481C1C}">
+                <a14:useLocalDpi xmlns:a14="http://schemas.microsoft.com/office/drawing/2010/main" val="0"/>
+              </a:ext>
+            </a:extLst>
+          </a:blip>
+          <a:stretch>
+            <a:fillRect/>
+          </a:stretch>
+        </p:blipFill>
+        <p:spPr>
+          <a:xfrm>
+            <a:off x="1060768" y="5854197"/>
+            <a:ext cx="675030" cy="918041"/>
+          </a:xfrm>
+          <a:prstGeom prst="rect">
+            <a:avLst/>
+          </a:prstGeom>
+        </p:spPr>
+      </p:pic>
+      <p:pic>
+        <p:nvPicPr>
+          <p:cNvPr id="7" name="Picture 6"/>
+          <p:cNvPicPr>
+            <a:picLocks noChangeAspect="1"/>
+          </p:cNvPicPr>
+          <p:nvPr/>
+        </p:nvPicPr>
+        <p:blipFill>
+          <a:blip r:embed="rId4"/>
+          <a:stretch>
+            <a:fillRect/>
+          </a:stretch>
+        </p:blipFill>
+        <p:spPr>
+          <a:xfrm>
+            <a:off x="126017" y="5816434"/>
+            <a:ext cx="804605" cy="993566"/>
+          </a:xfrm>
+          <a:prstGeom prst="rect">
+            <a:avLst/>
+          </a:prstGeom>
+        </p:spPr>
+      </p:pic>
     </p:spTree>
     <p:extLst>
       <p:ext uri="{BB962C8B-B14F-4D97-AF65-F5344CB8AC3E}">
